--- a/Presentation/PanamaPapers.pptx
+++ b/Presentation/PanamaPapers.pptx
@@ -257,6 +257,11 @@
       </a:defRPr>
     </a:lvl9pPr>
   </p:defaultTextStyle>
+  <p:extLst>
+    <p:ext uri="{EFAFB233-063F-42B5-8137-9DF3F51BA10A}">
+      <p15:sldGuideLst xmlns:p15="http://schemas.microsoft.com/office/powerpoint/2012/main"/>
+    </p:ext>
+  </p:extLst>
 </p:presentation>
 </file>
 
@@ -13657,36 +13662,36 @@
               <a:buNone/>
             </a:pPr>
             <a:r>
-              <a:rPr lang="en-US" b="1"/>
+              <a:rPr lang="en-US" b="1" dirty="0"/>
               <a:t>Panama Papers Analysis</a:t>
             </a:r>
             <a:r>
-              <a:rPr lang="en-US"/>
+              <a:rPr lang="en-US" dirty="0"/>
               <a:t/>
             </a:r>
             <a:br>
-              <a:rPr lang="en-US"/>
+              <a:rPr lang="en-US" dirty="0"/>
             </a:br>
             <a:r>
-              <a:rPr lang="en-US" sz="2000" i="1"/>
+              <a:rPr lang="en-US" sz="2000" i="1" dirty="0"/>
               <a:t>through </a:t>
             </a:r>
             <a:r>
-              <a:rPr lang="en-US" sz="2000" b="1" i="1"/>
+              <a:rPr lang="en-US" sz="2000" b="1" i="1" dirty="0"/>
               <a:t>Graph Analytics </a:t>
             </a:r>
             <a:r>
-              <a:rPr lang="en-US" sz="2000" i="1"/>
+              <a:rPr lang="en-US" sz="2000" i="1" dirty="0"/>
               <a:t>and </a:t>
             </a:r>
             <a:r>
-              <a:rPr lang="en-US" sz="2000" b="1" i="1"/>
+              <a:rPr lang="en-US" sz="2000" b="1" i="1" dirty="0"/>
               <a:t>Embeddings</a:t>
             </a:r>
             <a:br>
-              <a:rPr lang="en-US" sz="2000" b="1" i="1"/>
+              <a:rPr lang="en-US" sz="2000" b="1" i="1" dirty="0"/>
             </a:br>
-            <a:endParaRPr sz="4400"/>
+            <a:endParaRPr sz="4400" dirty="0"/>
           </a:p>
         </p:txBody>
       </p:sp>
@@ -14279,10 +14284,14 @@
               <a:buChar char="•"/>
             </a:pPr>
             <a:r>
-              <a:rPr lang="en-US"/>
-              <a:t>NetworkX is an open source python API which was able to load the dataset completely and run the algorithms we wanted.</a:t>
+              <a:rPr lang="en-US" dirty="0" err="1"/>
+              <a:t>NetworkX</a:t>
             </a:r>
-            <a:endParaRPr/>
+            <a:r>
+              <a:rPr lang="en-US" dirty="0"/>
+              <a:t> is an open source python API which was able to load the dataset completely and run the algorithms we wanted.</a:t>
+            </a:r>
+            <a:endParaRPr dirty="0"/>
           </a:p>
           <a:p>
             <a:pPr marL="685800" lvl="1" indent="-228600" algn="just" rtl="0">
@@ -14302,10 +14311,10 @@
               <a:buChar char="•"/>
             </a:pPr>
             <a:r>
-              <a:rPr lang="en-US"/>
+              <a:rPr lang="en-US" dirty="0"/>
               <a:t>By creating a custom python dataset parsing script.</a:t>
             </a:r>
-            <a:endParaRPr/>
+            <a:endParaRPr dirty="0"/>
           </a:p>
           <a:p>
             <a:pPr marL="685800" lvl="1" indent="-228600" algn="just" rtl="0">
@@ -14325,10 +14334,10 @@
               <a:buChar char="•"/>
             </a:pPr>
             <a:r>
-              <a:rPr lang="en-US"/>
+              <a:rPr lang="en-US" dirty="0"/>
               <a:t>And by implementing some basic python wrappers.</a:t>
             </a:r>
-            <a:endParaRPr/>
+            <a:endParaRPr dirty="0"/>
           </a:p>
           <a:p>
             <a:pPr marL="228600" lvl="0" indent="-228600" algn="just" rtl="0">
@@ -14348,10 +14357,18 @@
               <a:buChar char="•"/>
             </a:pPr>
             <a:r>
-              <a:rPr lang="en-US"/>
-              <a:t>We decided to use the results of NetworkX, as these results are extracted from the complete dataset and not a subset of it.</a:t>
+              <a:rPr lang="en-US" dirty="0"/>
+              <a:t>We decided to use the results of </a:t>
             </a:r>
-            <a:endParaRPr/>
+            <a:r>
+              <a:rPr lang="en-US" dirty="0" err="1"/>
+              <a:t>NetworkX</a:t>
+            </a:r>
+            <a:r>
+              <a:rPr lang="en-US" dirty="0"/>
+              <a:t>, as these results are extracted from the complete dataset and not a subset of it.</a:t>
+            </a:r>
+            <a:endParaRPr dirty="0"/>
           </a:p>
           <a:p>
             <a:pPr marL="228600" lvl="0" indent="-228600" algn="just" rtl="0">
@@ -14371,10 +14388,10 @@
               <a:buChar char="•"/>
             </a:pPr>
             <a:r>
-              <a:rPr lang="en-US"/>
+              <a:rPr lang="en-US" dirty="0"/>
               <a:t>The algorithms we used were PageRank, Eigenvector Centrality, Degree Centrality and Clustering, as they are the most applicable for locating “popular” nodes is a Fraud Detection dataset.</a:t>
             </a:r>
-            <a:endParaRPr/>
+            <a:endParaRPr dirty="0"/>
           </a:p>
         </p:txBody>
       </p:sp>
@@ -15007,10 +15024,10 @@
               <a:buNone/>
             </a:pPr>
             <a:r>
-              <a:rPr lang="en-US"/>
+              <a:rPr lang="en-US" dirty="0"/>
               <a:t>Graph Embeddings (General) </a:t>
             </a:r>
-            <a:endParaRPr/>
+            <a:endParaRPr dirty="0"/>
           </a:p>
         </p:txBody>
       </p:sp>
@@ -15060,10 +15077,10 @@
               <a:buChar char="•"/>
             </a:pPr>
             <a:r>
-              <a:rPr lang="en-US" sz="1800"/>
+              <a:rPr lang="en-US" sz="1800" dirty="0"/>
               <a:t>Embeddings are vector representations of words.</a:t>
             </a:r>
-            <a:endParaRPr sz="1800"/>
+            <a:endParaRPr sz="1800" dirty="0"/>
           </a:p>
           <a:p>
             <a:pPr marL="228600" lvl="0" indent="-228600" algn="just" rtl="0">
@@ -15083,18 +15100,18 @@
               <a:buChar char="•"/>
             </a:pPr>
             <a:r>
-              <a:rPr lang="en-US" sz="1800"/>
+              <a:rPr lang="en-US" sz="1800" dirty="0"/>
               <a:t>There are many libraries for embedding creation, which exploit pre-trained neural networks. For our work we used word2vec. These libraries try to group the words based on their semantic meaning. This means that based on the input, </a:t>
             </a:r>
             <a:r>
-              <a:rPr lang="en-US" sz="1800" b="1"/>
+              <a:rPr lang="en-US" sz="1800" b="1" dirty="0"/>
               <a:t>words that have similar meaning will also have closer vectors</a:t>
             </a:r>
             <a:r>
-              <a:rPr lang="en-US" sz="1800"/>
+              <a:rPr lang="en-US" sz="1800" dirty="0"/>
               <a:t>.</a:t>
             </a:r>
-            <a:endParaRPr/>
+            <a:endParaRPr dirty="0"/>
           </a:p>
           <a:p>
             <a:pPr marL="228600" lvl="0" indent="-228600" algn="just" rtl="0">
@@ -15114,18 +15131,18 @@
               <a:buChar char="•"/>
             </a:pPr>
             <a:r>
-              <a:rPr lang="en-US" sz="1800"/>
+              <a:rPr lang="en-US" sz="1800" dirty="0"/>
               <a:t>The idea is to transform the graph into text corpus, by representing it as triples of the form (“node” “link” “node”). This will results in a vector for each node, and </a:t>
             </a:r>
             <a:r>
-              <a:rPr lang="en-US" sz="1800" b="1"/>
+              <a:rPr lang="en-US" sz="1800" b="1" dirty="0"/>
               <a:t>nodes that share many same information will have closer vectors too</a:t>
             </a:r>
             <a:r>
-              <a:rPr lang="en-US" sz="1800"/>
+              <a:rPr lang="en-US" sz="1800" dirty="0"/>
               <a:t> (but these two nodes are not necessarily directly connected).</a:t>
             </a:r>
-            <a:endParaRPr/>
+            <a:endParaRPr dirty="0"/>
           </a:p>
           <a:p>
             <a:pPr marL="685800" lvl="1" indent="-228600" algn="just" rtl="0">
@@ -15145,10 +15162,18 @@
               <a:buChar char="•"/>
             </a:pPr>
             <a:r>
-              <a:rPr lang="en-US" sz="1800"/>
-              <a:t>For example, two offshores that have many things in common, eg. People, intermediaries etc. will have closer vectors.</a:t>
+              <a:rPr lang="en-US" sz="1800" dirty="0"/>
+              <a:t>For example, two offshores that have many things in common, </a:t>
             </a:r>
-            <a:endParaRPr/>
+            <a:r>
+              <a:rPr lang="en-US" sz="1800" dirty="0" err="1"/>
+              <a:t>eg</a:t>
+            </a:r>
+            <a:r>
+              <a:rPr lang="en-US" sz="1800" dirty="0"/>
+              <a:t>. People, intermediaries etc. will have closer vectors.</a:t>
+            </a:r>
+            <a:endParaRPr dirty="0"/>
           </a:p>
           <a:p>
             <a:pPr marL="228600" lvl="0" indent="-228600" algn="just" rtl="0">
@@ -15168,10 +15193,10 @@
               <a:buChar char="•"/>
             </a:pPr>
             <a:r>
-              <a:rPr lang="en-US" sz="1800"/>
+              <a:rPr lang="en-US" sz="1800" dirty="0"/>
               <a:t>This way, we can make operations like similarity search i.e. “give me the first top-K” similar nodes of the node N. </a:t>
             </a:r>
-            <a:endParaRPr/>
+            <a:endParaRPr dirty="0"/>
           </a:p>
         </p:txBody>
       </p:sp>
@@ -15434,10 +15459,18 @@
               <a:buNone/>
             </a:pPr>
             <a:r>
-              <a:rPr lang="en-US"/>
-              <a:t>Graph Embeddings (RDFsim with FD) </a:t>
+              <a:rPr lang="en-US" dirty="0"/>
+              <a:t>Graph Embeddings (</a:t>
             </a:r>
-            <a:endParaRPr/>
+            <a:r>
+              <a:rPr lang="en-US" dirty="0" err="1"/>
+              <a:t>RDFsim</a:t>
+            </a:r>
+            <a:r>
+              <a:rPr lang="en-US" dirty="0"/>
+              <a:t> with FD) </a:t>
+            </a:r>
+            <a:endParaRPr dirty="0"/>
           </a:p>
         </p:txBody>
       </p:sp>
@@ -15487,34 +15520,34 @@
               <a:buChar char="•"/>
             </a:pPr>
             <a:r>
-              <a:rPr lang="en-US"/>
+              <a:rPr lang="en-US" dirty="0"/>
               <a:t>By calculating all the similar nodes of every node, we can create a </a:t>
             </a:r>
             <a:r>
-              <a:rPr lang="en-US" b="1"/>
+              <a:rPr lang="en-US" b="1" dirty="0"/>
               <a:t>graph database of node embeddings</a:t>
             </a:r>
             <a:r>
-              <a:rPr lang="en-US"/>
+              <a:rPr lang="en-US" dirty="0"/>
               <a:t>, and </a:t>
             </a:r>
             <a:r>
-              <a:rPr lang="en-US" b="1"/>
+              <a:rPr lang="en-US" b="1" dirty="0"/>
               <a:t>create similarity networks of the nodes</a:t>
             </a:r>
             <a:r>
-              <a:rPr lang="en-US"/>
+              <a:rPr lang="en-US" dirty="0"/>
               <a:t> by exploiting some open source tools, like </a:t>
             </a:r>
             <a:r>
-              <a:rPr lang="en-US" b="1"/>
+              <a:rPr lang="en-US" b="1" dirty="0" err="1"/>
               <a:t>RDFsim</a:t>
             </a:r>
             <a:r>
-              <a:rPr lang="en-US"/>
+              <a:rPr lang="en-US" dirty="0"/>
               <a:t>.</a:t>
             </a:r>
-            <a:endParaRPr/>
+            <a:endParaRPr dirty="0"/>
           </a:p>
           <a:p>
             <a:pPr marL="228600" lvl="0" indent="-228600" algn="just" rtl="0">
@@ -15534,18 +15567,22 @@
               <a:buChar char="•"/>
             </a:pPr>
             <a:r>
-              <a:rPr lang="en-US"/>
-              <a:t>RDFsim is a search engine which is able to use embedding datasets (like the database we described) in order to create graph similarity networks. Although it is designed for knowledge graphs, we managed to </a:t>
+              <a:rPr lang="en-US" dirty="0" err="1"/>
+              <a:t>RDFsim</a:t>
             </a:r>
             <a:r>
-              <a:rPr lang="en-US" b="1"/>
+              <a:rPr lang="en-US" dirty="0"/>
+              <a:t> is a search engine which is able to use embedding datasets (like the database we described) in order to create graph similarity networks. Although it is designed for knowledge graphs, we managed to </a:t>
+            </a:r>
+            <a:r>
+              <a:rPr lang="en-US" b="1" dirty="0"/>
               <a:t>port the Fraud Detection graph </a:t>
             </a:r>
             <a:r>
-              <a:rPr lang="en-US"/>
+              <a:rPr lang="en-US" dirty="0"/>
               <a:t>data easily. </a:t>
             </a:r>
-            <a:endParaRPr/>
+            <a:endParaRPr dirty="0"/>
           </a:p>
           <a:p>
             <a:pPr marL="228600" lvl="0" indent="-228600" algn="just" rtl="0">
@@ -15565,18 +15602,26 @@
               <a:buChar char="•"/>
             </a:pPr>
             <a:r>
-              <a:rPr lang="en-US"/>
-              <a:t>This way we can use the search engine features of RDFsim (i.e. search for a specific node of the graph) and </a:t>
+              <a:rPr lang="en-US" dirty="0"/>
+              <a:t>This way we can use the search engine features of </a:t>
             </a:r>
             <a:r>
-              <a:rPr lang="en-US" b="1"/>
+              <a:rPr lang="en-US" dirty="0" err="1"/>
+              <a:t>RDFsim</a:t>
+            </a:r>
+            <a:r>
+              <a:rPr lang="en-US" dirty="0"/>
+              <a:t> (i.e. search for a specific node of the graph) and </a:t>
+            </a:r>
+            <a:r>
+              <a:rPr lang="en-US" b="1" dirty="0"/>
               <a:t>create the similarity network for any node we want</a:t>
             </a:r>
             <a:r>
-              <a:rPr lang="en-US"/>
+              <a:rPr lang="en-US" dirty="0"/>
               <a:t>.</a:t>
             </a:r>
-            <a:endParaRPr/>
+            <a:endParaRPr dirty="0"/>
           </a:p>
         </p:txBody>
       </p:sp>
@@ -16248,7 +16293,7 @@
               <a:buNone/>
             </a:pPr>
             <a:r>
-              <a:rPr lang="en-US" sz="1100" b="1">
+              <a:rPr lang="en-US" sz="1100" b="1" dirty="0" err="1">
                 <a:solidFill>
                   <a:schemeClr val="dk1"/>
                 </a:solidFill>
@@ -16259,7 +16304,7 @@
               </a:rPr>
               <a:t>RDFsim</a:t>
             </a:r>
-            <a:endParaRPr/>
+            <a:endParaRPr dirty="0"/>
           </a:p>
           <a:p>
             <a:pPr marL="0" marR="0" lvl="0" indent="0" algn="ctr" rtl="0">
@@ -16272,7 +16317,7 @@
               <a:buNone/>
             </a:pPr>
             <a:r>
-              <a:rPr lang="en-US" sz="1100" b="1">
+              <a:rPr lang="en-US" sz="1100" b="1" dirty="0">
                 <a:solidFill>
                   <a:schemeClr val="dk1"/>
                 </a:solidFill>
@@ -16283,7 +16328,7 @@
               </a:rPr>
               <a:t>Embeddings</a:t>
             </a:r>
-            <a:endParaRPr/>
+            <a:endParaRPr dirty="0"/>
           </a:p>
           <a:p>
             <a:pPr marL="0" marR="0" lvl="0" indent="0" algn="ctr" rtl="0">
@@ -16296,7 +16341,7 @@
               <a:buNone/>
             </a:pPr>
             <a:r>
-              <a:rPr lang="en-US" sz="1100" b="1">
+              <a:rPr lang="en-US" sz="1100" b="1" dirty="0">
                 <a:solidFill>
                   <a:schemeClr val="dk1"/>
                 </a:solidFill>
@@ -16307,7 +16352,7 @@
               </a:rPr>
               <a:t>database</a:t>
             </a:r>
-            <a:endParaRPr sz="1100" b="1">
+            <a:endParaRPr sz="1100" b="1" dirty="0">
               <a:solidFill>
                 <a:schemeClr val="dk1"/>
               </a:solidFill>
@@ -16582,10 +16627,10 @@
               <a:buNone/>
             </a:pPr>
             <a:r>
-              <a:rPr lang="en-US"/>
+              <a:rPr lang="en-US" dirty="0"/>
               <a:t>Graph Embeddings (Examples)</a:t>
             </a:r>
-            <a:endParaRPr/>
+            <a:endParaRPr dirty="0"/>
           </a:p>
         </p:txBody>
       </p:sp>
@@ -16635,18 +16680,18 @@
               <a:buChar char="•"/>
             </a:pPr>
             <a:r>
-              <a:rPr lang="en-US" sz="1600"/>
+              <a:rPr lang="en-US" sz="1600" dirty="0"/>
               <a:t>For this presentation, we </a:t>
             </a:r>
             <a:r>
-              <a:rPr lang="en-US" sz="1600" b="1"/>
+              <a:rPr lang="en-US" sz="1600" b="1" dirty="0"/>
               <a:t>show the results about the “important” nodes, as shown by the graph analytics</a:t>
             </a:r>
             <a:r>
-              <a:rPr lang="en-US" sz="1600"/>
+              <a:rPr lang="en-US" sz="1600" dirty="0"/>
               <a:t> algorithms.</a:t>
             </a:r>
-            <a:endParaRPr/>
+            <a:endParaRPr dirty="0"/>
           </a:p>
           <a:p>
             <a:pPr marL="228600" lvl="0" indent="-228600" algn="just" rtl="0">
@@ -16666,18 +16711,18 @@
               <a:buChar char="•"/>
             </a:pPr>
             <a:r>
-              <a:rPr lang="en-US" sz="1600"/>
+              <a:rPr lang="en-US" sz="1600" dirty="0"/>
               <a:t>Considering the accuracy of the embeddings training, we could </a:t>
             </a:r>
             <a:r>
-              <a:rPr lang="en-US" sz="1600" b="1"/>
+              <a:rPr lang="en-US" sz="1600" b="1" dirty="0"/>
               <a:t>discover connections between nodes </a:t>
             </a:r>
             <a:r>
-              <a:rPr lang="en-US" sz="1600"/>
+              <a:rPr lang="en-US" sz="1600" dirty="0"/>
               <a:t>(for example offshores, people, intermediaries …) that were not easily shown previously.</a:t>
             </a:r>
-            <a:endParaRPr/>
+            <a:endParaRPr dirty="0"/>
           </a:p>
           <a:p>
             <a:pPr marL="228600" lvl="0" indent="-228600" algn="just" rtl="0">
@@ -16697,10 +16742,18 @@
               <a:buChar char="•"/>
             </a:pPr>
             <a:r>
-              <a:rPr lang="en-US" sz="1600"/>
-              <a:t>More about the vocabulary creation, embedding training and RDFsim can be found in the official paper, published in Sep. 2021.</a:t>
+              <a:rPr lang="en-US" sz="1600" dirty="0"/>
+              <a:t>More about the vocabulary creation, embedding training and </a:t>
             </a:r>
-            <a:endParaRPr/>
+            <a:r>
+              <a:rPr lang="en-US" sz="1600" dirty="0" err="1"/>
+              <a:t>RDFsim</a:t>
+            </a:r>
+            <a:r>
+              <a:rPr lang="en-US" sz="1600" dirty="0"/>
+              <a:t> can be found in the official paper, published in Sep. 2021.</a:t>
+            </a:r>
+            <a:endParaRPr dirty="0"/>
           </a:p>
           <a:p>
             <a:pPr marL="228600" lvl="0" indent="-228600" algn="just" rtl="0">
@@ -16720,10 +16773,10 @@
               <a:buChar char="•"/>
             </a:pPr>
             <a:r>
-              <a:rPr lang="en-US" sz="1600"/>
+              <a:rPr lang="en-US" sz="1600" dirty="0"/>
               <a:t>The nodes that we will explore are (as shown from graph analytics):</a:t>
             </a:r>
-            <a:endParaRPr/>
+            <a:endParaRPr dirty="0"/>
           </a:p>
           <a:p>
             <a:pPr marL="685800" lvl="1" indent="-228600" algn="just" rtl="0">
@@ -16743,14 +16796,14 @@
               <a:buChar char="•"/>
             </a:pPr>
             <a:r>
-              <a:rPr lang="en-US" sz="1600" b="1"/>
+              <a:rPr lang="en-US" sz="1600" b="1" dirty="0"/>
               <a:t>ACCELONIC LTD</a:t>
             </a:r>
             <a:r>
-              <a:rPr lang="en-US" sz="1600"/>
+              <a:rPr lang="en-US" sz="1600" dirty="0"/>
               <a:t>:  Important entity with high PageRank and EV score.</a:t>
             </a:r>
-            <a:endParaRPr/>
+            <a:endParaRPr dirty="0"/>
           </a:p>
           <a:p>
             <a:pPr marL="685800" lvl="1" indent="-228600" algn="just" rtl="0">
@@ -16770,14 +16823,14 @@
               <a:buChar char="•"/>
             </a:pPr>
             <a:r>
-              <a:rPr lang="en-US" sz="1600" b="1"/>
+              <a:rPr lang="en-US" sz="1600" b="1" dirty="0"/>
               <a:t>VELA GAS INVESTMENTS LTD</a:t>
             </a:r>
             <a:r>
-              <a:rPr lang="en-US" sz="1600"/>
+              <a:rPr lang="en-US" sz="1600" dirty="0"/>
               <a:t>: Important entity with high PageRank and EV score.</a:t>
             </a:r>
-            <a:endParaRPr sz="1600"/>
+            <a:endParaRPr sz="1600" dirty="0"/>
           </a:p>
           <a:p>
             <a:pPr marL="685800" lvl="1" indent="-228600" algn="just" rtl="0">
@@ -16797,14 +16850,14 @@
               <a:buChar char="•"/>
             </a:pPr>
             <a:r>
-              <a:rPr lang="en-US" sz="1600" b="1"/>
+              <a:rPr lang="en-US" sz="1600" b="1" dirty="0"/>
               <a:t>ORION HOUSE SERVICES (HK) LIMITED</a:t>
             </a:r>
             <a:r>
-              <a:rPr lang="en-US" sz="1600"/>
+              <a:rPr lang="en-US" sz="1600" dirty="0"/>
               <a:t>: Important intermediary node with high degree centrality score.</a:t>
             </a:r>
-            <a:endParaRPr/>
+            <a:endParaRPr dirty="0"/>
           </a:p>
           <a:p>
             <a:pPr marL="685800" lvl="1" indent="-228600" algn="just" rtl="0">
@@ -16824,10 +16877,10 @@
               <a:buChar char="•"/>
             </a:pPr>
             <a:r>
-              <a:rPr lang="en-US" sz="1600"/>
+              <a:rPr lang="en-US" sz="1600" dirty="0"/>
               <a:t>Note: Although we selected only three of the important nodes from all the algorithms we simulated, the search engine can create the results for any node existing in the embeddings database.</a:t>
             </a:r>
-            <a:endParaRPr/>
+            <a:endParaRPr dirty="0"/>
           </a:p>
         </p:txBody>
       </p:sp>
@@ -17523,15 +17576,7 @@
             </a:pPr>
             <a:r>
               <a:rPr lang="en-US" sz="2000" dirty="0"/>
-              <a:t>Exploiting graph </a:t>
-            </a:r>
-            <a:r>
-              <a:rPr lang="en-US" sz="2000" dirty="0" err="1"/>
-              <a:t>embeddings</a:t>
-            </a:r>
-            <a:r>
-              <a:rPr lang="en-US" sz="2000" dirty="0"/>
-              <a:t> for such graphs could actually offer a new way to discover relationships between the nodes of the graph, group offshores with same fraudulent activity and more.</a:t>
+              <a:t>Exploiting graph embeddings for such graphs could actually offer a new way to discover relationships between the nodes of the graph, group offshores with same fraudulent activity and more.</a:t>
             </a:r>
             <a:endParaRPr dirty="0"/>
           </a:p>
@@ -17812,7 +17857,7 @@
         </p:nvSpPr>
         <p:spPr>
           <a:xfrm>
-            <a:off x="838200" y="365125"/>
+            <a:off x="811567" y="365125"/>
             <a:ext cx="10515600" cy="1325563"/>
           </a:xfrm>
           <a:prstGeom prst="rect">
@@ -17847,10 +17892,10 @@
               <a:buNone/>
             </a:pPr>
             <a:r>
-              <a:rPr lang="en-US"/>
+              <a:rPr lang="en-US" dirty="0"/>
               <a:t>Conclusion</a:t>
             </a:r>
-            <a:endParaRPr/>
+            <a:endParaRPr dirty="0"/>
           </a:p>
         </p:txBody>
       </p:sp>
@@ -17866,7 +17911,7 @@
         </p:nvSpPr>
         <p:spPr>
           <a:xfrm>
-            <a:off x="838200" y="1758156"/>
+            <a:off x="811567" y="1758156"/>
             <a:ext cx="5019675" cy="3461544"/>
           </a:xfrm>
           <a:prstGeom prst="rect">
@@ -17900,10 +17945,10 @@
               <a:buChar char="•"/>
             </a:pPr>
             <a:r>
-              <a:rPr lang="en-US"/>
+              <a:rPr lang="en-US" dirty="0"/>
               <a:t>We presented an analysis which combines graph analytics methods with graph embeddings.</a:t>
             </a:r>
-            <a:endParaRPr/>
+            <a:endParaRPr dirty="0"/>
           </a:p>
           <a:p>
             <a:pPr marL="228600" lvl="0" indent="-228600" algn="just" rtl="0">
@@ -17923,10 +17968,10 @@
               <a:buChar char="•"/>
             </a:pPr>
             <a:r>
-              <a:rPr lang="en-US"/>
+              <a:rPr lang="en-US" dirty="0"/>
               <a:t>The analysis resulted in a set of important nodes over the network and the creation of a Fraud Detection Graph Embeddings database.</a:t>
             </a:r>
-            <a:endParaRPr/>
+            <a:endParaRPr dirty="0"/>
           </a:p>
           <a:p>
             <a:pPr marL="228600" lvl="0" indent="-228600" algn="just" rtl="0">
@@ -17946,10 +17991,10 @@
               <a:buChar char="•"/>
             </a:pPr>
             <a:r>
-              <a:rPr lang="en-US"/>
+              <a:rPr lang="en-US" dirty="0"/>
               <a:t>An extended analysis of our work including more figures, algorithms and explanations is available in the repository of our project.</a:t>
             </a:r>
-            <a:endParaRPr/>
+            <a:endParaRPr dirty="0"/>
           </a:p>
         </p:txBody>
       </p:sp>
@@ -17961,7 +18006,7 @@
         </p:nvSpPr>
         <p:spPr>
           <a:xfrm>
-            <a:off x="1170591" y="5523249"/>
+            <a:off x="1143958" y="5523249"/>
             <a:ext cx="4354891" cy="1015663"/>
           </a:xfrm>
           <a:prstGeom prst="rect">
@@ -18026,7 +18071,7 @@
         </p:blipFill>
         <p:spPr>
           <a:xfrm>
-            <a:off x="6260930" y="266700"/>
+            <a:off x="6234297" y="266700"/>
             <a:ext cx="5816770" cy="3889528"/>
           </a:xfrm>
           <a:prstGeom prst="rect">
@@ -18059,8 +18104,8 @@
         </p:blipFill>
         <p:spPr>
           <a:xfrm>
-            <a:off x="6260930" y="4297847"/>
-            <a:ext cx="4578864" cy="1676890"/>
+            <a:off x="6234297" y="4282872"/>
+            <a:ext cx="3983901" cy="1363029"/>
           </a:xfrm>
           <a:prstGeom prst="rect">
             <a:avLst/>
@@ -18083,7 +18128,7 @@
         </p:nvSpPr>
         <p:spPr>
           <a:xfrm>
-            <a:off x="8610600" y="6356350"/>
+            <a:off x="8583967" y="6356350"/>
             <a:ext cx="2743200" cy="365125"/>
           </a:xfrm>
           <a:prstGeom prst="rect">
@@ -18117,6 +18162,133 @@
           </a:p>
         </p:txBody>
       </p:sp>
+      <p:sp>
+        <p:nvSpPr>
+          <p:cNvPr id="2" name="Oval 1"/>
+          <p:cNvSpPr/>
+          <p:nvPr/>
+        </p:nvSpPr>
+        <p:spPr>
+          <a:xfrm>
+            <a:off x="6348620" y="536527"/>
+            <a:ext cx="5588123" cy="896645"/>
+          </a:xfrm>
+          <a:prstGeom prst="ellipse">
+            <a:avLst/>
+          </a:prstGeom>
+          <a:noFill/>
+          <a:ln>
+            <a:solidFill>
+              <a:schemeClr val="tx1"/>
+            </a:solidFill>
+          </a:ln>
+        </p:spPr>
+        <p:style>
+          <a:lnRef idx="2">
+            <a:schemeClr val="accent1">
+              <a:shade val="50000"/>
+            </a:schemeClr>
+          </a:lnRef>
+          <a:fillRef idx="1">
+            <a:schemeClr val="accent1"/>
+          </a:fillRef>
+          <a:effectRef idx="0">
+            <a:schemeClr val="accent1"/>
+          </a:effectRef>
+          <a:fontRef idx="minor">
+            <a:schemeClr val="lt1"/>
+          </a:fontRef>
+        </p:style>
+        <p:txBody>
+          <a:bodyPr rtlCol="0" anchor="ctr"/>
+          <a:lstStyle/>
+          <a:p>
+            <a:pPr algn="ctr"/>
+            <a:endParaRPr lang="en-US"/>
+          </a:p>
+        </p:txBody>
+      </p:sp>
+      <p:sp>
+        <p:nvSpPr>
+          <p:cNvPr id="3" name="TextBox 2"/>
+          <p:cNvSpPr txBox="1"/>
+          <p:nvPr/>
+        </p:nvSpPr>
+        <p:spPr>
+          <a:xfrm>
+            <a:off x="3851521" y="723239"/>
+            <a:ext cx="2059620" cy="523220"/>
+          </a:xfrm>
+          <a:prstGeom prst="rect">
+            <a:avLst/>
+          </a:prstGeom>
+          <a:noFill/>
+          <a:ln>
+            <a:solidFill>
+              <a:schemeClr val="tx1"/>
+            </a:solidFill>
+          </a:ln>
+        </p:spPr>
+        <p:txBody>
+          <a:bodyPr wrap="square" rtlCol="0">
+            <a:spAutoFit/>
+          </a:bodyPr>
+          <a:lstStyle/>
+          <a:p>
+            <a:pPr algn="ctr"/>
+            <a:r>
+              <a:rPr lang="en-US" dirty="0" smtClean="0"/>
+              <a:t>Authors sorted by patience </a:t>
+            </a:r>
+            <a:r>
+              <a:rPr lang="en-US" dirty="0" smtClean="0">
+                <a:sym typeface="Wingdings" panose="05000000000000000000" pitchFamily="2" charset="2"/>
+              </a:rPr>
+              <a:t> ..</a:t>
+            </a:r>
+            <a:endParaRPr lang="en-US" dirty="0"/>
+          </a:p>
+        </p:txBody>
+      </p:sp>
+      <p:cxnSp>
+        <p:nvCxnSpPr>
+          <p:cNvPr id="5" name="Straight Arrow Connector 4"/>
+          <p:cNvCxnSpPr>
+            <a:stCxn id="3" idx="3"/>
+            <a:endCxn id="2" idx="2"/>
+          </p:cNvCxnSpPr>
+          <p:nvPr/>
+        </p:nvCxnSpPr>
+        <p:spPr>
+          <a:xfrm>
+            <a:off x="5911141" y="984849"/>
+            <a:ext cx="437479" cy="1"/>
+          </a:xfrm>
+          <a:prstGeom prst="straightConnector1">
+            <a:avLst/>
+          </a:prstGeom>
+          <a:ln>
+            <a:solidFill>
+              <a:schemeClr val="tx1"/>
+            </a:solidFill>
+            <a:tailEnd type="triangle"/>
+          </a:ln>
+        </p:spPr>
+        <p:style>
+          <a:lnRef idx="1">
+            <a:schemeClr val="accent1"/>
+          </a:lnRef>
+          <a:fillRef idx="0">
+            <a:schemeClr val="accent1"/>
+          </a:fillRef>
+          <a:effectRef idx="0">
+            <a:schemeClr val="accent1"/>
+          </a:effectRef>
+          <a:fontRef idx="minor">
+            <a:schemeClr val="tx1"/>
+          </a:fontRef>
+        </p:style>
+      </p:cxnSp>
     </p:spTree>
   </p:cSld>
   <p:clrMapOvr>
@@ -18736,10 +18908,10 @@
               <a:buChar char="•"/>
             </a:pPr>
             <a:r>
-              <a:rPr lang="en-US"/>
+              <a:rPr lang="en-US" dirty="0"/>
               <a:t>It is interesting to run generic algorithms over a fraud detection graph in order to locate the most important nodes</a:t>
             </a:r>
-            <a:endParaRPr/>
+            <a:endParaRPr dirty="0"/>
           </a:p>
           <a:p>
             <a:pPr marL="228600" lvl="0" indent="-228600" algn="just" rtl="0">
@@ -18759,10 +18931,10 @@
               <a:buChar char="•"/>
             </a:pPr>
             <a:r>
-              <a:rPr lang="en-US"/>
+              <a:rPr lang="en-US" dirty="0"/>
               <a:t>This way we can filter the data: Having information about which entities of the graph are most “popular” is important. It can lead us to conclusions about interactions of companies, nodes that are most likely to commit frauds in the future and more.</a:t>
             </a:r>
-            <a:endParaRPr/>
+            <a:endParaRPr dirty="0"/>
           </a:p>
           <a:p>
             <a:pPr marL="228600" lvl="0" indent="-228600" algn="just" rtl="0">
@@ -18782,10 +18954,10 @@
               <a:buChar char="•"/>
             </a:pPr>
             <a:r>
-              <a:rPr lang="en-US"/>
+              <a:rPr lang="en-US" dirty="0"/>
               <a:t>But is just running a bunch of graph analytics algorithms in a network enough?</a:t>
             </a:r>
-            <a:endParaRPr/>
+            <a:endParaRPr dirty="0"/>
           </a:p>
           <a:p>
             <a:pPr marL="228600" lvl="0" indent="-228600" algn="just" rtl="0">
@@ -18805,10 +18977,10 @@
               <a:buChar char="•"/>
             </a:pPr>
             <a:r>
-              <a:rPr lang="en-US"/>
+              <a:rPr lang="en-US" dirty="0"/>
               <a:t>How could we go one step further? More importantly, how can we combine methods from other fields (i.e. graph embeddings)  with classic graph analytics methods?</a:t>
             </a:r>
-            <a:endParaRPr/>
+            <a:endParaRPr dirty="0"/>
           </a:p>
         </p:txBody>
       </p:sp>
@@ -19010,10 +19182,10 @@
               <a:buNone/>
             </a:pPr>
             <a:r>
-              <a:rPr lang="en-US"/>
+              <a:rPr lang="en-US" dirty="0"/>
               <a:t>We propose an approach that combines the results of graph analytics with a graph embeddings database, in order to create similarity networks of the most important nodes of our data!</a:t>
             </a:r>
-            <a:endParaRPr/>
+            <a:endParaRPr dirty="0"/>
           </a:p>
           <a:p>
             <a:pPr marL="0" lvl="0" indent="0" algn="just" rtl="0">
@@ -19033,10 +19205,10 @@
               <a:buNone/>
             </a:pPr>
             <a:r>
-              <a:rPr lang="en-US"/>
+              <a:rPr lang="en-US" dirty="0"/>
               <a:t>This way, we can go one step further: By finding similar nodes of the most important nodes, we can discover relationships between companies, nodes and other which could not be easily located before! </a:t>
             </a:r>
-            <a:endParaRPr/>
+            <a:endParaRPr dirty="0"/>
           </a:p>
         </p:txBody>
       </p:sp>
@@ -19212,7 +19384,7 @@
               <a:buNone/>
             </a:pPr>
             <a:r>
-              <a:rPr lang="en-US" sz="1600">
+              <a:rPr lang="en-US" sz="1600" dirty="0">
                 <a:solidFill>
                   <a:schemeClr val="dk1"/>
                 </a:solidFill>
@@ -19223,7 +19395,7 @@
               </a:rPr>
               <a:t>Embeddings</a:t>
             </a:r>
-            <a:endParaRPr/>
+            <a:endParaRPr dirty="0"/>
           </a:p>
         </p:txBody>
       </p:sp>
@@ -19968,7 +20140,7 @@
               <a:buNone/>
             </a:pPr>
             <a:r>
-              <a:rPr lang="en-US" sz="1600">
+              <a:rPr lang="en-US" sz="1600" dirty="0">
                 <a:solidFill>
                   <a:schemeClr val="dk1"/>
                 </a:solidFill>
@@ -19979,7 +20151,7 @@
               </a:rPr>
               <a:t>Embeddings database -  similarity networks</a:t>
             </a:r>
-            <a:endParaRPr sz="1600">
+            <a:endParaRPr sz="1600" dirty="0">
               <a:solidFill>
                 <a:schemeClr val="dk1"/>
               </a:solidFill>
@@ -20101,7 +20273,7 @@
               <a:buNone/>
             </a:pPr>
             <a:r>
-              <a:rPr lang="en-US" sz="1800">
+              <a:rPr lang="en-US" sz="1800" dirty="0">
                 <a:solidFill>
                   <a:schemeClr val="dk1"/>
                 </a:solidFill>
@@ -20112,7 +20284,7 @@
               </a:rPr>
               <a:t>Present an analysis that combines classic graph analytics algorithms and graph embeddings!</a:t>
             </a:r>
-            <a:endParaRPr sz="1800">
+            <a:endParaRPr sz="1800" dirty="0">
               <a:solidFill>
                 <a:schemeClr val="dk1"/>
               </a:solidFill>
@@ -20539,14 +20711,14 @@
               <a:buNone/>
             </a:pPr>
             <a:r>
-              <a:rPr lang="en-US"/>
+              <a:rPr lang="en-US" dirty="0"/>
               <a:t>By running PageRank and Eigenvector Centrality, we discovered that the node with the highest value is </a:t>
             </a:r>
             <a:r>
-              <a:rPr lang="en-US" b="1"/>
+              <a:rPr lang="en-US" b="1" dirty="0"/>
               <a:t>ACCELONIC LTD. (entity)</a:t>
             </a:r>
-            <a:endParaRPr/>
+            <a:endParaRPr dirty="0"/>
           </a:p>
           <a:p>
             <a:pPr marL="0" lvl="0" indent="0" algn="just" rtl="0">
@@ -20566,10 +20738,10 @@
               <a:buNone/>
             </a:pPr>
             <a:r>
-              <a:rPr lang="en-US"/>
+              <a:rPr lang="en-US" dirty="0"/>
               <a:t>Knowing this, we can search for similar nodes in the embeddings database, and get the following:</a:t>
             </a:r>
-            <a:endParaRPr/>
+            <a:endParaRPr dirty="0"/>
           </a:p>
         </p:txBody>
       </p:sp>
